--- a/06. ALL TOGETHER/M6-Slides-Test-Simulation.pptx
+++ b/06. ALL TOGETHER/M6-Slides-Test-Simulation.pptx
@@ -169,7 +169,7 @@
 <file path=ppt/revisionInfo.xml><?xml version="1.0" encoding="utf-8"?>
 <p1510:revInfo xmlns:a="http://schemas.openxmlformats.org/drawingml/2006/main" xmlns:r="http://schemas.openxmlformats.org/officeDocument/2006/relationships" xmlns:p1510="http://schemas.microsoft.com/office/powerpoint/2015/10/main">
   <p1510:revLst>
-    <p1510:client id="{7B5BF5DA-7C98-4034-804A-5A9592DFC14B}" v="243" dt="2022-03-31T13:24:36.024"/>
+    <p1510:client id="{7B5BF5DA-7C98-4034-804A-5A9592DFC14B}" v="249" dt="2022-04-01T21:47:45.962"/>
   </p1510:revLst>
 </p1510:revInfo>
 </file>
@@ -2133,7 +2133,7 @@
   <pc:docChgLst>
     <pc:chgData name="Dimitar Zahariev" userId="b84e4ebc77879e88" providerId="LiveId" clId="{7B5BF5DA-7C98-4034-804A-5A9592DFC14B}"/>
     <pc:docChg chg="undo custSel addSld modSld sldOrd">
-      <pc:chgData name="Dimitar Zahariev" userId="b84e4ebc77879e88" providerId="LiveId" clId="{7B5BF5DA-7C98-4034-804A-5A9592DFC14B}" dt="2022-03-31T13:24:36.024" v="326" actId="13926"/>
+      <pc:chgData name="Dimitar Zahariev" userId="b84e4ebc77879e88" providerId="LiveId" clId="{7B5BF5DA-7C98-4034-804A-5A9592DFC14B}" dt="2022-04-01T21:47:45.961" v="332" actId="20577"/>
       <pc:docMkLst>
         <pc:docMk/>
       </pc:docMkLst>
@@ -2705,7 +2705,7 @@
         </pc:picChg>
       </pc:sldChg>
       <pc:sldChg chg="modSp add mod">
-        <pc:chgData name="Dimitar Zahariev" userId="b84e4ebc77879e88" providerId="LiveId" clId="{7B5BF5DA-7C98-4034-804A-5A9592DFC14B}" dt="2022-03-31T13:16:34.233" v="267" actId="13926"/>
+        <pc:chgData name="Dimitar Zahariev" userId="b84e4ebc77879e88" providerId="LiveId" clId="{7B5BF5DA-7C98-4034-804A-5A9592DFC14B}" dt="2022-04-01T21:47:45.961" v="332" actId="20577"/>
         <pc:sldMkLst>
           <pc:docMk/>
           <pc:sldMk cId="3269571247" sldId="665"/>
@@ -2719,7 +2719,7 @@
           </ac:spMkLst>
         </pc:spChg>
         <pc:spChg chg="mod">
-          <ac:chgData name="Dimitar Zahariev" userId="b84e4ebc77879e88" providerId="LiveId" clId="{7B5BF5DA-7C98-4034-804A-5A9592DFC14B}" dt="2022-03-31T13:16:34.233" v="267" actId="13926"/>
+          <ac:chgData name="Dimitar Zahariev" userId="b84e4ebc77879e88" providerId="LiveId" clId="{7B5BF5DA-7C98-4034-804A-5A9592DFC14B}" dt="2022-04-01T21:47:45.961" v="332" actId="20577"/>
           <ac:spMkLst>
             <pc:docMk/>
             <pc:sldMk cId="3269571247" sldId="665"/>
@@ -2865,7 +2865,7 @@
           <a:p>
             <a:fld id="{4E087215-0C8F-4762-A664-737A353EC9A4}" type="datetimeFigureOut">
               <a:rPr lang="bg-BG" smtClean="0"/>
-              <a:t>31.3.2022 г.</a:t>
+              <a:t>2.4.2022 г.</a:t>
             </a:fld>
             <a:endParaRPr lang="bg-BG"/>
           </a:p>
@@ -3042,7 +3042,7 @@
           <a:p>
             <a:fld id="{72D84649-876A-46C9-8472-14CB09C070D8}" type="datetimeFigureOut">
               <a:rPr lang="en-US" smtClean="0"/>
-              <a:t>3/31/2022</a:t>
+              <a:t>4/2/2022</a:t>
             </a:fld>
             <a:endParaRPr lang="en-US"/>
           </a:p>
@@ -4947,7 +4947,7 @@
             <a:fld id="{055373AC-9AA7-423B-BA00-BA1C74164DBD}" type="datetime1">
               <a:rPr lang="en-US" smtClean="0"/>
               <a:pPr/>
-              <a:t>3/31/2022</a:t>
+              <a:t>4/2/2022</a:t>
             </a:fld>
             <a:endParaRPr lang="en-US"/>
           </a:p>
@@ -5425,7 +5425,7 @@
             <a:fld id="{055373AC-9AA7-423B-BA00-BA1C74164DBD}" type="datetime1">
               <a:rPr lang="en-US" smtClean="0"/>
               <a:pPr/>
-              <a:t>3/31/2022</a:t>
+              <a:t>4/2/2022</a:t>
             </a:fld>
             <a:endParaRPr lang="en-US"/>
           </a:p>
@@ -6783,7 +6783,7 @@
             <a:fld id="{055373AC-9AA7-423B-BA00-BA1C74164DBD}" type="datetime1">
               <a:rPr lang="en-US" smtClean="0"/>
               <a:pPr/>
-              <a:t>3/31/2022</a:t>
+              <a:t>4/2/2022</a:t>
             </a:fld>
             <a:endParaRPr lang="en-US"/>
           </a:p>
@@ -8669,7 +8669,7 @@
             <a:fld id="{055373AC-9AA7-423B-BA00-BA1C74164DBD}" type="datetime1">
               <a:rPr lang="en-US" smtClean="0"/>
               <a:pPr/>
-              <a:t>3/31/2022</a:t>
+              <a:t>4/2/2022</a:t>
             </a:fld>
             <a:endParaRPr lang="en-US"/>
           </a:p>
@@ -9399,7 +9399,7 @@
             <a:fld id="{055373AC-9AA7-423B-BA00-BA1C74164DBD}" type="datetime1">
               <a:rPr lang="en-US" smtClean="0"/>
               <a:pPr/>
-              <a:t>3/31/2022</a:t>
+              <a:t>4/2/2022</a:t>
             </a:fld>
             <a:endParaRPr lang="en-US"/>
           </a:p>
@@ -9845,7 +9845,7 @@
             <a:fld id="{055373AC-9AA7-423B-BA00-BA1C74164DBD}" type="datetime1">
               <a:rPr lang="en-US" smtClean="0"/>
               <a:pPr/>
-              <a:t>3/31/2022</a:t>
+              <a:t>4/2/2022</a:t>
             </a:fld>
             <a:endParaRPr lang="en-US"/>
           </a:p>
@@ -10213,7 +10213,7 @@
             <a:fld id="{055373AC-9AA7-423B-BA00-BA1C74164DBD}" type="datetime1">
               <a:rPr lang="en-US" smtClean="0"/>
               <a:pPr/>
-              <a:t>3/31/2022</a:t>
+              <a:t>4/2/2022</a:t>
             </a:fld>
             <a:endParaRPr lang="en-US"/>
           </a:p>
@@ -10896,7 +10896,7 @@
             <a:fld id="{055373AC-9AA7-423B-BA00-BA1C74164DBD}" type="datetime1">
               <a:rPr lang="en-US" smtClean="0"/>
               <a:pPr/>
-              <a:t>3/31/2022</a:t>
+              <a:t>4/2/2022</a:t>
             </a:fld>
             <a:endParaRPr lang="en-US"/>
           </a:p>
@@ -11374,7 +11374,7 @@
             <a:fld id="{055373AC-9AA7-423B-BA00-BA1C74164DBD}" type="datetime1">
               <a:rPr lang="en-US" smtClean="0"/>
               <a:pPr/>
-              <a:t>3/31/2022</a:t>
+              <a:t>4/2/2022</a:t>
             </a:fld>
             <a:endParaRPr lang="en-US"/>
           </a:p>
@@ -11575,7 +11575,7 @@
             <a:fld id="{055373AC-9AA7-423B-BA00-BA1C74164DBD}" type="datetime1">
               <a:rPr lang="en-US" smtClean="0"/>
               <a:pPr/>
-              <a:t>3/31/2022</a:t>
+              <a:t>4/2/2022</a:t>
             </a:fld>
             <a:endParaRPr lang="en-US"/>
           </a:p>
@@ -20275,8 +20275,13 @@
             <a:pPr lvl="1"/>
             <a:r>
               <a:rPr lang="en-US" sz="2800" dirty="0"/>
-              <a:t>D: Rust</a:t>
-            </a:r>
+              <a:t>D</a:t>
+            </a:r>
+            <a:r>
+              <a:rPr lang="en-US" sz="2800"/>
+              <a:t>: Pascal</a:t>
+            </a:r>
+            <a:endParaRPr lang="en-US" sz="2800" dirty="0"/>
           </a:p>
           <a:p>
             <a:pPr lvl="1"/>
